--- a/docs/conclusion.pptx
+++ b/docs/conclusion.pptx
@@ -308,7 +308,7 @@
           <a:p>
             <a:fld id="{CDE2EECC-064E-4863-B675-7277A5214C7E}" type="datetimeFigureOut">
               <a:rPr lang="zh-CN" altLang="en-US" smtClean="0"/>
-              <a:t>2019/7/6</a:t>
+              <a:t>2019/7/7</a:t>
             </a:fld>
             <a:endParaRPr lang="zh-CN" altLang="en-US"/>
           </a:p>
@@ -629,7 +629,7 @@
                 <a:ea typeface="+mn-ea"/>
                 <a:cs typeface="+mn-cs"/>
               </a:rPr>
-              <a:t>大家好，我们是月卡组。这次还是由本组长来做结题汇报。</a:t>
+              <a:t>大家好，我们是月卡组。这次还是由本组长来做结题汇报。我们的项目是实现数据处理算法的硬件卸载，并且把它实现到网卡上。</a:t>
             </a:r>
             <a:endParaRPr lang="en-US" altLang="zh-CN" sz="1200" b="0" i="0" kern="1200" dirty="0">
               <a:solidFill>
@@ -697,7 +697,7 @@
                 <a:ea typeface="+mn-ea"/>
                 <a:cs typeface="+mn-cs"/>
               </a:rPr>
-              <a:t>此外我们的项目有一定的特殊性：我们的调研报告、可行性报告都是针对我们使用的智能网卡和 </a:t>
+              <a:t>此外我们的项目有一定的特殊性：我们的调研报告、可行性报告都是针对智能网卡和 </a:t>
             </a:r>
             <a:r>
               <a:rPr lang="en-US" altLang="zh-CN" sz="1200" b="0" i="0" kern="1200" dirty="0" err="1">
@@ -733,7 +733,7 @@
                 <a:ea typeface="+mn-ea"/>
                 <a:cs typeface="+mn-cs"/>
               </a:rPr>
-              <a:t>硬件卸载架构在广义上的可行性的，当我们去用这个架构实现一个算法的时候，每个算法要给出各自的调研和可行性分析，并不是每个算法用 </a:t>
+              <a:t>硬件卸载架构在广义上的可行性的，而当我们去用这个架构实现一个算法的时候，每个算法要给出各自的调研和可行性分析，并不是每个算法用 </a:t>
             </a:r>
             <a:r>
               <a:rPr lang="en-US" altLang="zh-CN" sz="1200" b="0" i="0" kern="1200" dirty="0" err="1">
@@ -839,7 +839,7 @@
                 <a:ea typeface="+mn-ea"/>
                 <a:cs typeface="+mn-cs"/>
               </a:rPr>
-              <a:t>。报告的时间可能比较长，不过不会太超时，而且</a:t>
+              <a:t>。总体的内容比较多的，截止到目前我们小组的结题报告行数依旧无人超越。所以报告的时间可能比较长，不过不会太超时，而且</a:t>
             </a:r>
             <a:r>
               <a:rPr lang="zh-CN" altLang="en-US" sz="1200" b="1" i="0" kern="1200" dirty="0">
@@ -852,6 +852,18 @@
                 <a:cs typeface="+mn-cs"/>
               </a:rPr>
               <a:t>（幻灯片动画）</a:t>
+            </a:r>
+            <a:r>
+              <a:rPr lang="zh-CN" altLang="en-US" sz="1200" b="0" i="0" kern="1200" dirty="0">
+                <a:solidFill>
+                  <a:schemeClr val="tx1"/>
+                </a:solidFill>
+                <a:effectLst/>
+                <a:latin typeface="+mn-lt"/>
+                <a:ea typeface="+mn-ea"/>
+                <a:cs typeface="+mn-cs"/>
+              </a:rPr>
+              <a:t>但是我们不会太过分</a:t>
             </a:r>
             <a:endParaRPr lang="en-US" altLang="zh-CN" sz="1200" b="1" i="0" kern="1200" dirty="0">
               <a:solidFill>
@@ -4088,7 +4100,19 @@
             </a:r>
             <a:r>
               <a:rPr lang="zh-CN" altLang="en-US" dirty="0"/>
-              <a:t>是我们后两三个星期的工作，时间比较紧，本身也很复杂，所以我们实际完成的是对这个算法结构的调研、对它的一个简化设计以及针对这个简化设计给出了网卡硬件结构设计的调研。不过还是比较可惜的，因为我们毕竟从网卡官方那里要到了足够的资源。</a:t>
+              <a:t>是我们后两三个星期的工作，时间比较紧，本身涉及到的内容，包括这个网卡的资料、</a:t>
+            </a:r>
+            <a:r>
+              <a:rPr lang="en-US" altLang="zh-CN" dirty="0" err="1"/>
+              <a:t>alex</a:t>
+            </a:r>
+            <a:r>
+              <a:rPr lang="en-US" altLang="zh-CN" dirty="0"/>
+              <a:t> net </a:t>
+            </a:r>
+            <a:r>
+              <a:rPr lang="zh-CN" altLang="en-US" dirty="0"/>
+              <a:t>的结构等等也很复杂，所以我们实际完成的是对这个算法结构的调研、对它的一个简化设计以及针对这个简化设计给出了网卡硬件结构设计的调研。不过还是比较可惜的，因为我们毕竟从网卡官方那里要到了足够的资源。</a:t>
             </a:r>
             <a:endParaRPr lang="en-US" altLang="zh-CN" dirty="0"/>
           </a:p>
@@ -6826,7 +6850,7 @@
                 <a:ea typeface="+mn-ea"/>
                 <a:cs typeface="+mn-cs"/>
               </a:rPr>
-              <a:t>带来的硬件根本 概念的串行性，处理大批量数据流的能力十分有限。尽管现代计算机利用指令级并行、多核多线程编程等带来了大幅的性能提升，但在例如服务器等海量 </a:t>
+              <a:t>带来的硬件根本 概念 的串行性，处理大批量数据流的能力十分有限。尽管现代计算机利用指令级并行、多核多线程编程等带来了大幅的性能提升，但在例如服务器等海量 </a:t>
             </a:r>
             <a:r>
               <a:rPr lang="en-US" altLang="zh-CN" sz="1200" b="0" i="0" kern="1200" dirty="0">
@@ -7300,7 +7324,7 @@
                 <a:ea typeface="+mn-ea"/>
                 <a:cs typeface="+mn-cs"/>
               </a:rPr>
-              <a:t>硬件卸载难以胜任实现过程复杂，具有大量高级数学运算的算法，深度卷积神经网络 </a:t>
+              <a:t>硬件卸载难以胜任实现过程复杂，具有大量高级数学运算的算法，比如我们接下来讲的深度卷积神经网络 </a:t>
             </a:r>
             <a:r>
               <a:rPr lang="en-US" altLang="zh-CN" sz="1200" b="0" i="0" kern="1200" dirty="0" err="1">
@@ -7313,30 +7337,6 @@
                 <a:cs typeface="+mn-cs"/>
               </a:rPr>
               <a:t>AlexNet</a:t>
-            </a:r>
-            <a:r>
-              <a:rPr lang="en-US" altLang="zh-CN" sz="1200" b="0" i="0" kern="1200" dirty="0">
-                <a:solidFill>
-                  <a:schemeClr val="tx1"/>
-                </a:solidFill>
-                <a:effectLst/>
-                <a:latin typeface="+mn-lt"/>
-                <a:ea typeface="+mn-ea"/>
-                <a:cs typeface="+mn-cs"/>
-              </a:rPr>
-              <a:t> </a:t>
-            </a:r>
-            <a:r>
-              <a:rPr lang="zh-CN" altLang="en-US" sz="1200" b="0" i="0" kern="1200" dirty="0">
-                <a:solidFill>
-                  <a:schemeClr val="tx1"/>
-                </a:solidFill>
-                <a:effectLst/>
-                <a:latin typeface="+mn-lt"/>
-                <a:ea typeface="+mn-ea"/>
-                <a:cs typeface="+mn-cs"/>
-              </a:rPr>
-              <a:t>就是其中一例。</a:t>
             </a:r>
             <a:endParaRPr lang="en-US" altLang="zh-CN" sz="1200" b="0" i="0" kern="1200" dirty="0">
               <a:solidFill>
@@ -10071,7 +10071,19 @@
           <a:p>
             <a:r>
               <a:rPr lang="zh-CN" altLang="en-US" dirty="0"/>
-              <a:t>我们这个项目的根本是希望优化算法的指令序列，并达到纳秒级处理延迟。首先我们完成了汇编代码，也比编译器直接产生的几乎短一倍。而延迟的测算上我们尝试了一些方法，最后给出了估计。</a:t>
+              <a:t>我们这个项目的根本是希望优化算法的指令序列，并达到纳秒级处理延迟。首先我们完成了汇编代码，也比编译器直接产生的几乎短一倍。而延迟的测算上我们尝试了一些方法，最后给出了估计。在怎么测延迟这方面我们得到了 </a:t>
+            </a:r>
+            <a:r>
+              <a:rPr lang="en-US" altLang="zh-CN" dirty="0" err="1"/>
+              <a:t>netronome</a:t>
+            </a:r>
+            <a:r>
+              <a:rPr lang="en-US" altLang="zh-CN" dirty="0"/>
+              <a:t> </a:t>
+            </a:r>
+            <a:r>
+              <a:rPr lang="zh-CN" altLang="en-US" dirty="0"/>
+              <a:t>和邢老师的两个建议，不过最终没有特别好的效果。</a:t>
             </a:r>
           </a:p>
         </p:txBody>
@@ -10958,7 +10970,7 @@
           <a:p>
             <a:r>
               <a:rPr lang="zh-CN" altLang="en-US" dirty="0"/>
-              <a:t>接下来讲解第一个算法，方差分析。</a:t>
+              <a:t>接下来讲解本项目的第一个部分，也是第一个算法，方差分析。</a:t>
             </a:r>
             <a:endParaRPr lang="en-US" altLang="zh-CN" dirty="0"/>
           </a:p>
@@ -11091,7 +11103,11 @@
             </a:r>
             <a:r>
               <a:rPr lang="zh-CN" altLang="en-US" dirty="0"/>
-              <a:t>方差分析是用 “数据时间窗口” 来组织数据的。</a:t>
+              <a:t>方差分析是用 “数据时间窗口” 来组织数据的。什么是数据窗口呢</a:t>
+            </a:r>
+            <a:r>
+              <a:rPr lang="en-US" altLang="zh-CN" dirty="0"/>
+              <a:t>………..……</a:t>
             </a:r>
             <a:r>
               <a:rPr lang="zh-CN" altLang="en-US" b="1" dirty="0"/>
@@ -11327,7 +11343,7 @@
           <a:p>
             <a:r>
               <a:rPr lang="zh-CN" altLang="en-US" dirty="0"/>
-              <a:t>首先来看，对于人加速度的数据，我们想划分状态。</a:t>
+              <a:t>首先来看，对于人加速度的数据，我们想划分状态，比如区分你是在跑步还是在走路，是站起还是蹲下，不同动作的变化。</a:t>
             </a:r>
             <a:endParaRPr lang="en-US" altLang="zh-CN" dirty="0"/>
           </a:p>
@@ -11337,7 +11353,7 @@
           <a:p>
             <a:r>
               <a:rPr lang="zh-CN" altLang="en-US" dirty="0"/>
-              <a:t>这时候一般取 </a:t>
+              <a:t>这时候一般来讲取的是 </a:t>
             </a:r>
             <a:r>
               <a:rPr lang="en-US" altLang="zh-CN" dirty="0"/>
@@ -11476,7 +11492,7 @@
             </a:r>
             <a:r>
               <a:rPr lang="zh-CN" altLang="en-US" b="0" dirty="0"/>
-              <a:t>比如你的加速度，</a:t>
+              <a:t>比如你的加速度，你的手机放在你的兜里，每</a:t>
             </a:r>
             <a:r>
               <a:rPr lang="en-US" altLang="zh-CN" b="0" dirty="0"/>
@@ -11550,7 +11566,15 @@
             </a:r>
             <a:r>
               <a:rPr lang="zh-CN" altLang="en-US" b="0" dirty="0"/>
-              <a:t>程序是相同的。其次，无法控制当一个网络包发过来的时候，我们不知道它去了具体哪个核心，这就是说，你的一个窗口，比如有 </a:t>
+              <a:t>程序是相同的。其次，当一个网络包发过来的时候，我们不知道它去了具体哪个核心，也不好去控制，这就是说，你的一个窗口</a:t>
+            </a:r>
+            <a:r>
+              <a:rPr lang="zh-CN" altLang="en-US" b="1" dirty="0"/>
+              <a:t>（黑板）</a:t>
+            </a:r>
+            <a:r>
+              <a:rPr lang="zh-CN" altLang="en-US" b="0" dirty="0"/>
+              <a:t>，比如有 </a:t>
             </a:r>
             <a:r>
               <a:rPr lang="en-US" altLang="zh-CN" b="0" dirty="0"/>
@@ -12026,7 +12050,7 @@
           <a:p>
             <a:fld id="{E845D718-7DC5-432F-A46E-CFB6B2C7A631}" type="datetimeFigureOut">
               <a:rPr lang="zh-CN" altLang="en-US" smtClean="0"/>
-              <a:t>2019/7/6</a:t>
+              <a:t>2019/7/7</a:t>
             </a:fld>
             <a:endParaRPr lang="zh-CN" altLang="en-US"/>
           </a:p>
@@ -12224,7 +12248,7 @@
           <a:p>
             <a:fld id="{E845D718-7DC5-432F-A46E-CFB6B2C7A631}" type="datetimeFigureOut">
               <a:rPr lang="zh-CN" altLang="en-US" smtClean="0"/>
-              <a:t>2019/7/6</a:t>
+              <a:t>2019/7/7</a:t>
             </a:fld>
             <a:endParaRPr lang="zh-CN" altLang="en-US"/>
           </a:p>
@@ -12432,7 +12456,7 @@
           <a:p>
             <a:fld id="{E845D718-7DC5-432F-A46E-CFB6B2C7A631}" type="datetimeFigureOut">
               <a:rPr lang="zh-CN" altLang="en-US" smtClean="0"/>
-              <a:t>2019/7/6</a:t>
+              <a:t>2019/7/7</a:t>
             </a:fld>
             <a:endParaRPr lang="zh-CN" altLang="en-US"/>
           </a:p>
@@ -12630,7 +12654,7 @@
           <a:p>
             <a:fld id="{E845D718-7DC5-432F-A46E-CFB6B2C7A631}" type="datetimeFigureOut">
               <a:rPr lang="zh-CN" altLang="en-US" smtClean="0"/>
-              <a:t>2019/7/6</a:t>
+              <a:t>2019/7/7</a:t>
             </a:fld>
             <a:endParaRPr lang="zh-CN" altLang="en-US"/>
           </a:p>
@@ -12905,7 +12929,7 @@
           <a:p>
             <a:fld id="{E845D718-7DC5-432F-A46E-CFB6B2C7A631}" type="datetimeFigureOut">
               <a:rPr lang="zh-CN" altLang="en-US" smtClean="0"/>
-              <a:t>2019/7/6</a:t>
+              <a:t>2019/7/7</a:t>
             </a:fld>
             <a:endParaRPr lang="zh-CN" altLang="en-US"/>
           </a:p>
@@ -13170,7 +13194,7 @@
           <a:p>
             <a:fld id="{E845D718-7DC5-432F-A46E-CFB6B2C7A631}" type="datetimeFigureOut">
               <a:rPr lang="zh-CN" altLang="en-US" smtClean="0"/>
-              <a:t>2019/7/6</a:t>
+              <a:t>2019/7/7</a:t>
             </a:fld>
             <a:endParaRPr lang="zh-CN" altLang="en-US"/>
           </a:p>
@@ -13582,7 +13606,7 @@
           <a:p>
             <a:fld id="{E845D718-7DC5-432F-A46E-CFB6B2C7A631}" type="datetimeFigureOut">
               <a:rPr lang="zh-CN" altLang="en-US" smtClean="0"/>
-              <a:t>2019/7/6</a:t>
+              <a:t>2019/7/7</a:t>
             </a:fld>
             <a:endParaRPr lang="zh-CN" altLang="en-US"/>
           </a:p>
@@ -13723,7 +13747,7 @@
           <a:p>
             <a:fld id="{E845D718-7DC5-432F-A46E-CFB6B2C7A631}" type="datetimeFigureOut">
               <a:rPr lang="zh-CN" altLang="en-US" smtClean="0"/>
-              <a:t>2019/7/6</a:t>
+              <a:t>2019/7/7</a:t>
             </a:fld>
             <a:endParaRPr lang="zh-CN" altLang="en-US"/>
           </a:p>
@@ -13836,7 +13860,7 @@
           <a:p>
             <a:fld id="{E845D718-7DC5-432F-A46E-CFB6B2C7A631}" type="datetimeFigureOut">
               <a:rPr lang="zh-CN" altLang="en-US" smtClean="0"/>
-              <a:t>2019/7/6</a:t>
+              <a:t>2019/7/7</a:t>
             </a:fld>
             <a:endParaRPr lang="zh-CN" altLang="en-US"/>
           </a:p>
@@ -14147,7 +14171,7 @@
           <a:p>
             <a:fld id="{E845D718-7DC5-432F-A46E-CFB6B2C7A631}" type="datetimeFigureOut">
               <a:rPr lang="zh-CN" altLang="en-US" smtClean="0"/>
-              <a:t>2019/7/6</a:t>
+              <a:t>2019/7/7</a:t>
             </a:fld>
             <a:endParaRPr lang="zh-CN" altLang="en-US"/>
           </a:p>
@@ -14435,7 +14459,7 @@
           <a:p>
             <a:fld id="{E845D718-7DC5-432F-A46E-CFB6B2C7A631}" type="datetimeFigureOut">
               <a:rPr lang="zh-CN" altLang="en-US" smtClean="0"/>
-              <a:t>2019/7/6</a:t>
+              <a:t>2019/7/7</a:t>
             </a:fld>
             <a:endParaRPr lang="zh-CN" altLang="en-US"/>
           </a:p>
@@ -14706,7 +14730,7 @@
           <a:p>
             <a:fld id="{E845D718-7DC5-432F-A46E-CFB6B2C7A631}" type="datetimeFigureOut">
               <a:rPr lang="zh-CN" altLang="en-US" smtClean="0"/>
-              <a:t>2019/7/6</a:t>
+              <a:t>2019/7/7</a:t>
             </a:fld>
             <a:endParaRPr lang="zh-CN" altLang="en-US"/>
           </a:p>
@@ -15313,13 +15337,13 @@
   <p:clrMapOvr>
     <a:masterClrMapping/>
   </p:clrMapOvr>
-  <mc:AlternateContent xmlns:mc="http://schemas.openxmlformats.org/markup-compatibility/2006">
-    <mc:Choice xmlns:p159="http://schemas.microsoft.com/office/powerpoint/2015/09/main" Requires="p159">
+  <mc:AlternateContent xmlns:mc="http://schemas.openxmlformats.org/markup-compatibility/2006" xmlns:p159="http://schemas.microsoft.com/office/powerpoint/2015/09/main">
+    <mc:Choice Requires="p159">
       <p:transition xmlns:p14="http://schemas.microsoft.com/office/powerpoint/2010/main" spd="slow" p14:dur="2000">
         <p159:morph option="byObject"/>
       </p:transition>
     </mc:Choice>
-    <mc:Fallback>
+    <mc:Fallback xmlns="">
       <p:transition spd="slow">
         <p:fade/>
       </p:transition>
@@ -17511,56 +17535,95 @@
           </a:bodyPr>
           <a:lstStyle/>
           <a:p>
-            <a:endParaRPr lang="en-US" altLang="zh-CN" sz="2400" dirty="0"/>
-          </a:p>
-          <a:p>
-            <a:r>
-              <a:rPr lang="en-US" altLang="zh-CN" sz="2400" dirty="0"/>
+            <a:endParaRPr lang="en-US" altLang="zh-CN" sz="2400" i="1" dirty="0">
+              <a:latin typeface="Consolas" panose="020B0609020204030204" pitchFamily="49" charset="0"/>
+              <a:cs typeface="Courier New" panose="02070309020205020404" pitchFamily="49" charset="0"/>
+            </a:endParaRPr>
+          </a:p>
+          <a:p>
+            <a:r>
+              <a:rPr lang="en-US" altLang="zh-CN" sz="2400" i="1" dirty="0">
+                <a:latin typeface="Consolas" panose="020B0609020204030204" pitchFamily="49" charset="0"/>
+                <a:cs typeface="Courier New" panose="02070309020205020404" pitchFamily="49" charset="0"/>
+              </a:rPr>
               <a:t>clang -target </a:t>
             </a:r>
             <a:r>
-              <a:rPr lang="en-US" altLang="zh-CN" sz="2400" dirty="0" err="1"/>
+              <a:rPr lang="en-US" altLang="zh-CN" sz="2400" i="1" dirty="0" err="1">
+                <a:latin typeface="Consolas" panose="020B0609020204030204" pitchFamily="49" charset="0"/>
+                <a:cs typeface="Courier New" panose="02070309020205020404" pitchFamily="49" charset="0"/>
+              </a:rPr>
               <a:t>bpf</a:t>
             </a:r>
             <a:r>
-              <a:rPr lang="en-US" altLang="zh-CN" sz="2400" dirty="0"/>
+              <a:rPr lang="en-US" altLang="zh-CN" sz="2400" i="1" dirty="0">
+                <a:latin typeface="Consolas" panose="020B0609020204030204" pitchFamily="49" charset="0"/>
+                <a:cs typeface="Courier New" panose="02070309020205020404" pitchFamily="49" charset="0"/>
+              </a:rPr>
               <a:t> -S -o ANOVA.s </a:t>
             </a:r>
             <a:r>
-              <a:rPr lang="en-US" altLang="zh-CN" sz="2400" dirty="0" err="1"/>
+              <a:rPr lang="en-US" altLang="zh-CN" sz="2400" i="1" dirty="0" err="1">
+                <a:latin typeface="Consolas" panose="020B0609020204030204" pitchFamily="49" charset="0"/>
+                <a:cs typeface="Courier New" panose="02070309020205020404" pitchFamily="49" charset="0"/>
+              </a:rPr>
               <a:t>ANOVA.c</a:t>
             </a:r>
             <a:r>
-              <a:rPr lang="en-US" altLang="zh-CN" sz="2400" dirty="0"/>
+              <a:rPr lang="en-US" altLang="zh-CN" sz="2400" i="1" dirty="0">
+                <a:latin typeface="Consolas" panose="020B0609020204030204" pitchFamily="49" charset="0"/>
+                <a:cs typeface="Courier New" panose="02070309020205020404" pitchFamily="49" charset="0"/>
+              </a:rPr>
               <a:t> -O2</a:t>
             </a:r>
           </a:p>
           <a:p>
             <a:r>
-              <a:rPr lang="en-US" altLang="zh-CN" sz="2400" dirty="0" err="1"/>
+              <a:rPr lang="en-US" altLang="zh-CN" sz="2400" i="1" dirty="0" err="1">
+                <a:latin typeface="Consolas" panose="020B0609020204030204" pitchFamily="49" charset="0"/>
+                <a:cs typeface="Courier New" panose="02070309020205020404" pitchFamily="49" charset="0"/>
+              </a:rPr>
               <a:t>llvm</a:t>
             </a:r>
             <a:r>
-              <a:rPr lang="en-US" altLang="zh-CN" sz="2400" dirty="0"/>
+              <a:rPr lang="en-US" altLang="zh-CN" sz="2400" i="1" dirty="0">
+                <a:latin typeface="Consolas" panose="020B0609020204030204" pitchFamily="49" charset="0"/>
+                <a:cs typeface="Courier New" panose="02070309020205020404" pitchFamily="49" charset="0"/>
+              </a:rPr>
               <a:t>-mc -triple </a:t>
             </a:r>
             <a:r>
-              <a:rPr lang="en-US" altLang="zh-CN" sz="2400" dirty="0" err="1"/>
+              <a:rPr lang="en-US" altLang="zh-CN" sz="2400" i="1" dirty="0" err="1">
+                <a:latin typeface="Consolas" panose="020B0609020204030204" pitchFamily="49" charset="0"/>
+                <a:cs typeface="Courier New" panose="02070309020205020404" pitchFamily="49" charset="0"/>
+              </a:rPr>
               <a:t>bpf</a:t>
             </a:r>
             <a:r>
-              <a:rPr lang="en-US" altLang="zh-CN" sz="2400" dirty="0"/>
+              <a:rPr lang="en-US" altLang="zh-CN" sz="2400" i="1" dirty="0">
+                <a:latin typeface="Consolas" panose="020B0609020204030204" pitchFamily="49" charset="0"/>
+                <a:cs typeface="Courier New" panose="02070309020205020404" pitchFamily="49" charset="0"/>
+              </a:rPr>
               <a:t> -filetype=obj -o </a:t>
             </a:r>
             <a:r>
-              <a:rPr lang="en-US" altLang="zh-CN" sz="2400" dirty="0" err="1"/>
+              <a:rPr lang="en-US" altLang="zh-CN" sz="2400" i="1" dirty="0" err="1">
+                <a:latin typeface="Consolas" panose="020B0609020204030204" pitchFamily="49" charset="0"/>
+                <a:cs typeface="Courier New" panose="02070309020205020404" pitchFamily="49" charset="0"/>
+              </a:rPr>
               <a:t>ANOVA.o</a:t>
             </a:r>
             <a:r>
-              <a:rPr lang="en-US" altLang="zh-CN" sz="2400" dirty="0"/>
+              <a:rPr lang="en-US" altLang="zh-CN" sz="2400" i="1" dirty="0">
+                <a:latin typeface="Consolas" panose="020B0609020204030204" pitchFamily="49" charset="0"/>
+                <a:cs typeface="Courier New" panose="02070309020205020404" pitchFamily="49" charset="0"/>
+              </a:rPr>
               <a:t> ANOVA.s</a:t>
             </a:r>
-            <a:endParaRPr lang="zh-CN" altLang="en-US" sz="2400" dirty="0"/>
+            <a:endParaRPr lang="zh-CN" altLang="en-US" sz="2400" i="1" dirty="0">
+              <a:latin typeface="Consolas" panose="020B0609020204030204" pitchFamily="49" charset="0"/>
+              <a:cs typeface="Courier New" panose="02070309020205020404" pitchFamily="49" charset="0"/>
+            </a:endParaRPr>
           </a:p>
         </p:txBody>
       </p:sp>
@@ -17843,56 +17906,92 @@
             <p:ph type="body" sz="half" idx="2"/>
           </p:nvPr>
         </p:nvSpPr>
-        <p:spPr/>
+        <p:spPr>
+          <a:xfrm>
+            <a:off x="656908" y="2057400"/>
+            <a:ext cx="3932237" cy="3811588"/>
+          </a:xfrm>
+        </p:spPr>
         <p:txBody>
           <a:bodyPr>
             <a:normAutofit/>
           </a:bodyPr>
           <a:lstStyle/>
           <a:p>
-            <a:endParaRPr lang="en-US" altLang="zh-CN" sz="2400" dirty="0"/>
-          </a:p>
-          <a:p>
-            <a:r>
-              <a:rPr lang="en-US" altLang="zh-CN" sz="2400" dirty="0"/>
+            <a:endParaRPr lang="en-US" altLang="zh-CN" sz="2400" i="1" dirty="0">
+              <a:latin typeface="Consolas" panose="020B0609020204030204" pitchFamily="49" charset="0"/>
+            </a:endParaRPr>
+          </a:p>
+          <a:p>
+            <a:r>
+              <a:rPr lang="en-US" altLang="zh-CN" sz="2400" i="1" dirty="0">
+                <a:latin typeface="Consolas" panose="020B0609020204030204" pitchFamily="49" charset="0"/>
+              </a:rPr>
               <a:t>clang -emit-</a:t>
             </a:r>
             <a:r>
-              <a:rPr lang="en-US" altLang="zh-CN" sz="2400" dirty="0" err="1"/>
+              <a:rPr lang="en-US" altLang="zh-CN" sz="2400" i="1" dirty="0" err="1">
+                <a:latin typeface="Consolas" panose="020B0609020204030204" pitchFamily="49" charset="0"/>
+              </a:rPr>
               <a:t>llvm</a:t>
             </a:r>
             <a:r>
-              <a:rPr lang="en-US" altLang="zh-CN" sz="2400" dirty="0"/>
+              <a:rPr lang="en-US" altLang="zh-CN" sz="2400" i="1" dirty="0">
+                <a:latin typeface="Consolas" panose="020B0609020204030204" pitchFamily="49" charset="0"/>
+              </a:rPr>
               <a:t> -O2 -S </a:t>
             </a:r>
             <a:r>
-              <a:rPr lang="en-US" altLang="zh-CN" sz="2400" dirty="0" err="1"/>
+              <a:rPr lang="en-US" altLang="zh-CN" sz="2400" i="1" dirty="0" err="1">
+                <a:latin typeface="Consolas" panose="020B0609020204030204" pitchFamily="49" charset="0"/>
+              </a:rPr>
               <a:t>ANOVA.c</a:t>
             </a:r>
             <a:r>
-              <a:rPr lang="en-US" altLang="zh-CN" sz="2400" dirty="0"/>
+              <a:rPr lang="en-US" altLang="zh-CN" sz="2400" i="1" dirty="0">
+                <a:latin typeface="Consolas" panose="020B0609020204030204" pitchFamily="49" charset="0"/>
+              </a:rPr>
               <a:t> -o </a:t>
             </a:r>
             <a:r>
-              <a:rPr lang="en-US" altLang="zh-CN" sz="2400" dirty="0" err="1"/>
-              <a:t>ANOVA.ll</a:t>
-            </a:r>
-            <a:r>
-              <a:rPr lang="en-US" altLang="zh-CN" sz="2400" dirty="0"/>
+              <a:rPr lang="en-US" altLang="zh-CN" sz="2400" i="1" dirty="0" err="1">
+                <a:latin typeface="Consolas" panose="020B0609020204030204" pitchFamily="49" charset="0"/>
+                <a:cs typeface="Courier New" panose="02070309020205020404" pitchFamily="49" charset="0"/>
+              </a:rPr>
+              <a:t>ANOVA</a:t>
+            </a:r>
+            <a:r>
+              <a:rPr lang="en-US" altLang="zh-CN" sz="2400" i="1" dirty="0" err="1">
+                <a:latin typeface="Consolas" panose="020B0609020204030204" pitchFamily="49" charset="0"/>
+              </a:rPr>
+              <a:t>.ll</a:t>
+            </a:r>
+            <a:r>
+              <a:rPr lang="en-US" altLang="zh-CN" sz="2400" i="1" dirty="0">
+                <a:latin typeface="Consolas" panose="020B0609020204030204" pitchFamily="49" charset="0"/>
+              </a:rPr>
               <a:t> -target </a:t>
             </a:r>
             <a:r>
-              <a:rPr lang="en-US" altLang="zh-CN" sz="2400" dirty="0" err="1"/>
+              <a:rPr lang="en-US" altLang="zh-CN" sz="2400" i="1" dirty="0" err="1">
+                <a:latin typeface="Consolas" panose="020B0609020204030204" pitchFamily="49" charset="0"/>
+              </a:rPr>
               <a:t>bpf</a:t>
             </a:r>
-            <a:endParaRPr lang="en-US" altLang="zh-CN" sz="2400" dirty="0"/>
-          </a:p>
-          <a:p>
-            <a:r>
-              <a:rPr lang="sv-SE" altLang="zh-CN" sz="2400" dirty="0"/>
+            <a:endParaRPr lang="en-US" altLang="zh-CN" sz="2400" i="1" dirty="0">
+              <a:latin typeface="Consolas" panose="020B0609020204030204" pitchFamily="49" charset="0"/>
+            </a:endParaRPr>
+          </a:p>
+          <a:p>
+            <a:r>
+              <a:rPr lang="sv-SE" altLang="zh-CN" sz="2400" i="1" dirty="0">
+                <a:latin typeface="Consolas" panose="020B0609020204030204" pitchFamily="49" charset="0"/>
+              </a:rPr>
               <a:t>llc -mattr=+alu32 ANOVA.ll</a:t>
             </a:r>
-            <a:endParaRPr lang="zh-CN" altLang="en-US" sz="2400" dirty="0"/>
+            <a:endParaRPr lang="zh-CN" altLang="en-US" sz="2400" i="1" dirty="0">
+              <a:latin typeface="Consolas" panose="020B0609020204030204" pitchFamily="49" charset="0"/>
+            </a:endParaRPr>
           </a:p>
         </p:txBody>
       </p:sp>
@@ -18998,7 +19097,12 @@
             <p:ph idx="1"/>
           </p:nvPr>
         </p:nvSpPr>
-        <p:spPr/>
+        <p:spPr>
+          <a:xfrm>
+            <a:off x="838200" y="1837817"/>
+            <a:ext cx="10515600" cy="4351338"/>
+          </a:xfrm>
+        </p:spPr>
         <p:txBody>
           <a:bodyPr/>
           <a:lstStyle/>
@@ -19011,7 +19115,7 @@
               <a:rPr lang="zh-CN" altLang="en-US" dirty="0">
                 <a:sym typeface="Wingdings" panose="05000000000000000000" pitchFamily="2" charset="2"/>
               </a:rPr>
-              <a:t></a:t>
+              <a:t></a:t>
             </a:r>
             <a:endParaRPr lang="en-US" altLang="zh-CN" dirty="0">
               <a:sym typeface="Wingdings" panose="05000000000000000000" pitchFamily="2" charset="2"/>
@@ -19063,13 +19167,13 @@
   <p:clrMapOvr>
     <a:masterClrMapping/>
   </p:clrMapOvr>
-  <mc:AlternateContent xmlns:mc="http://schemas.openxmlformats.org/markup-compatibility/2006">
-    <mc:Choice xmlns:p159="http://schemas.microsoft.com/office/powerpoint/2015/09/main" Requires="p159">
+  <mc:AlternateContent xmlns:mc="http://schemas.openxmlformats.org/markup-compatibility/2006" xmlns:p159="http://schemas.microsoft.com/office/powerpoint/2015/09/main">
+    <mc:Choice Requires="p159">
       <p:transition xmlns:p14="http://schemas.microsoft.com/office/powerpoint/2010/main" spd="slow" p14:dur="2000">
         <p159:morph option="byObject"/>
       </p:transition>
     </mc:Choice>
-    <mc:Fallback>
+    <mc:Fallback xmlns="">
       <p:transition spd="slow">
         <p:fade/>
       </p:transition>

--- a/docs/conclusion.pptx
+++ b/docs/conclusion.pptx
@@ -6222,8 +6222,27 @@
             </a:r>
             <a:r>
               <a:rPr lang="zh-CN" altLang="en-US" dirty="0"/>
-              <a:t>程序，算一下</a:t>
-            </a:r>
+              <a:t>程序，算一下。</a:t>
+            </a:r>
+            <a:endParaRPr lang="en-US" altLang="zh-CN" dirty="0"/>
+          </a:p>
+          <a:p>
+            <a:endParaRPr lang="en-US" altLang="zh-CN" dirty="0"/>
+          </a:p>
+          <a:p>
+            <a:r>
+              <a:rPr lang="zh-CN" altLang="en-US" dirty="0"/>
+              <a:t>（本组数据与接下来的两个 </a:t>
+            </a:r>
+            <a:r>
+              <a:rPr lang="en-US" altLang="zh-CN" dirty="0"/>
+              <a:t>ppt </a:t>
+            </a:r>
+            <a:r>
+              <a:rPr lang="zh-CN" altLang="en-US"/>
+              <a:t>中的图片，与结题报告结果分属两组不同时间的测试）</a:t>
+            </a:r>
+            <a:endParaRPr lang="en-US" altLang="zh-CN" dirty="0"/>
           </a:p>
         </p:txBody>
       </p:sp>
